--- a/Parte2/Apresentação.pptx
+++ b/Parte2/Apresentação.pptx
@@ -7,7 +7,9 @@
   <p:sldIdLst>
     <p:sldId id="256" r:id="rId2"/>
     <p:sldId id="257" r:id="rId3"/>
-    <p:sldId id="258" r:id="rId4"/>
+    <p:sldId id="259" r:id="rId4"/>
+    <p:sldId id="260" r:id="rId5"/>
+    <p:sldId id="258" r:id="rId6"/>
   </p:sldIdLst>
   <p:sldSz cx="9144000" cy="6858000" type="screen4x3"/>
   <p:notesSz cx="6858000" cy="9144000"/>
@@ -296,7 +298,7 @@
           <a:p>
             <a:fld id="{8D71DB20-56CB-4A96-B64B-B0524013C0DC}" type="datetimeFigureOut">
               <a:rPr lang="pt-BR" smtClean="0"/>
-              <a:t>01/07/2014</a:t>
+              <a:t>06/07/2014</a:t>
             </a:fld>
             <a:endParaRPr lang="pt-BR"/>
           </a:p>
@@ -461,7 +463,7 @@
           <a:p>
             <a:fld id="{8D71DB20-56CB-4A96-B64B-B0524013C0DC}" type="datetimeFigureOut">
               <a:rPr lang="pt-BR" smtClean="0"/>
-              <a:t>01/07/2014</a:t>
+              <a:t>06/07/2014</a:t>
             </a:fld>
             <a:endParaRPr lang="pt-BR"/>
           </a:p>
@@ -636,7 +638,7 @@
           <a:p>
             <a:fld id="{8D71DB20-56CB-4A96-B64B-B0524013C0DC}" type="datetimeFigureOut">
               <a:rPr lang="pt-BR" smtClean="0"/>
-              <a:t>01/07/2014</a:t>
+              <a:t>06/07/2014</a:t>
             </a:fld>
             <a:endParaRPr lang="pt-BR"/>
           </a:p>
@@ -801,7 +803,7 @@
           <a:p>
             <a:fld id="{8D71DB20-56CB-4A96-B64B-B0524013C0DC}" type="datetimeFigureOut">
               <a:rPr lang="pt-BR" smtClean="0"/>
-              <a:t>01/07/2014</a:t>
+              <a:t>06/07/2014</a:t>
             </a:fld>
             <a:endParaRPr lang="pt-BR"/>
           </a:p>
@@ -1040,7 +1042,7 @@
           <a:p>
             <a:fld id="{8D71DB20-56CB-4A96-B64B-B0524013C0DC}" type="datetimeFigureOut">
               <a:rPr lang="pt-BR" smtClean="0"/>
-              <a:t>01/07/2014</a:t>
+              <a:t>06/07/2014</a:t>
             </a:fld>
             <a:endParaRPr lang="pt-BR"/>
           </a:p>
@@ -1130,7 +1132,7 @@
           <a:p>
             <a:fld id="{8D71DB20-56CB-4A96-B64B-B0524013C0DC}" type="datetimeFigureOut">
               <a:rPr lang="pt-BR" smtClean="0"/>
-              <a:t>01/07/2014</a:t>
+              <a:t>06/07/2014</a:t>
             </a:fld>
             <a:endParaRPr lang="pt-BR"/>
           </a:p>
@@ -1504,7 +1506,7 @@
           <a:p>
             <a:fld id="{8D71DB20-56CB-4A96-B64B-B0524013C0DC}" type="datetimeFigureOut">
               <a:rPr lang="pt-BR" smtClean="0"/>
-              <a:t>01/07/2014</a:t>
+              <a:t>06/07/2014</a:t>
             </a:fld>
             <a:endParaRPr lang="pt-BR"/>
           </a:p>
@@ -1759,7 +1761,7 @@
           <a:p>
             <a:fld id="{8D71DB20-56CB-4A96-B64B-B0524013C0DC}" type="datetimeFigureOut">
               <a:rPr lang="pt-BR" smtClean="0"/>
-              <a:t>01/07/2014</a:t>
+              <a:t>06/07/2014</a:t>
             </a:fld>
             <a:endParaRPr lang="pt-BR"/>
           </a:p>
@@ -1849,7 +1851,7 @@
           <a:p>
             <a:fld id="{8D71DB20-56CB-4A96-B64B-B0524013C0DC}" type="datetimeFigureOut">
               <a:rPr lang="pt-BR" smtClean="0"/>
-              <a:t>01/07/2014</a:t>
+              <a:t>06/07/2014</a:t>
             </a:fld>
             <a:endParaRPr lang="pt-BR"/>
           </a:p>
@@ -2123,7 +2125,7 @@
           <a:p>
             <a:fld id="{8D71DB20-56CB-4A96-B64B-B0524013C0DC}" type="datetimeFigureOut">
               <a:rPr lang="pt-BR" smtClean="0"/>
-              <a:t>01/07/2014</a:t>
+              <a:t>06/07/2014</a:t>
             </a:fld>
             <a:endParaRPr lang="pt-BR"/>
           </a:p>
@@ -2395,7 +2397,7 @@
           <a:p>
             <a:fld id="{8D71DB20-56CB-4A96-B64B-B0524013C0DC}" type="datetimeFigureOut">
               <a:rPr lang="pt-BR" smtClean="0"/>
-              <a:t>01/07/2014</a:t>
+              <a:t>06/07/2014</a:t>
             </a:fld>
             <a:endParaRPr lang="pt-BR"/>
           </a:p>
@@ -2695,7 +2697,7 @@
           <a:p>
             <a:fld id="{8D71DB20-56CB-4A96-B64B-B0524013C0DC}" type="datetimeFigureOut">
               <a:rPr lang="pt-BR" smtClean="0"/>
-              <a:t>01/07/2014</a:t>
+              <a:t>06/07/2014</a:t>
             </a:fld>
             <a:endParaRPr lang="pt-BR"/>
           </a:p>
@@ -3307,15 +3309,7 @@
           <a:effectLst>
             <a:reflection blurRad="12700" stA="38000" endPos="28000" dist="5000" dir="5400000" sy="-100000" algn="bl" rotWithShape="0"/>
           </a:effectLst>
-          <a:extLst>
-            <a:ext uri="{909E8E84-426E-40DD-AFC4-6F175D3DCCD1}">
-              <a14:hiddenFill xmlns:a14="http://schemas.microsoft.com/office/drawing/2010/main">
-                <a:solidFill>
-                  <a:srgbClr val="FFFFFF"/>
-                </a:solidFill>
-              </a14:hiddenFill>
-            </a:ext>
-          </a:extLst>
+          <a:extLst/>
         </p:spPr>
       </p:pic>
       <p:pic>
@@ -3360,15 +3354,7 @@
           <a:effectLst>
             <a:reflection blurRad="12700" stA="38000" endPos="28000" dist="5000" dir="5400000" sy="-100000" algn="bl" rotWithShape="0"/>
           </a:effectLst>
-          <a:extLst>
-            <a:ext uri="{909E8E84-426E-40DD-AFC4-6F175D3DCCD1}">
-              <a14:hiddenFill xmlns:a14="http://schemas.microsoft.com/office/drawing/2010/main">
-                <a:solidFill>
-                  <a:srgbClr val="FFFFFF"/>
-                </a:solidFill>
-              </a14:hiddenFill>
-            </a:ext>
-          </a:extLst>
+          <a:extLst/>
         </p:spPr>
       </p:pic>
       <p:sp>
@@ -3476,6 +3462,52 @@
           <a:bodyPr/>
           <a:lstStyle/>
           <a:p>
+            <a:r>
+              <a:rPr lang="pt-BR" dirty="0" smtClean="0"/>
+              <a:t>Métodos desenvolvidos</a:t>
+            </a:r>
+          </a:p>
+          <a:p>
+            <a:pPr lvl="1"/>
+            <a:r>
+              <a:rPr lang="pt-BR" dirty="0" smtClean="0"/>
+              <a:t>MCO</a:t>
+            </a:r>
+          </a:p>
+          <a:p>
+            <a:pPr lvl="1"/>
+            <a:r>
+              <a:rPr lang="pt-BR" dirty="0" smtClean="0"/>
+              <a:t>Energia</a:t>
+            </a:r>
+          </a:p>
+          <a:p>
+            <a:pPr lvl="1"/>
+            <a:r>
+              <a:rPr lang="pt-BR" dirty="0" smtClean="0"/>
+              <a:t>Entropia</a:t>
+            </a:r>
+          </a:p>
+          <a:p>
+            <a:pPr lvl="1"/>
+            <a:r>
+              <a:rPr lang="pt-BR" dirty="0" smtClean="0"/>
+              <a:t>Contraste</a:t>
+            </a:r>
+          </a:p>
+          <a:p>
+            <a:pPr lvl="1"/>
+            <a:r>
+              <a:rPr lang="pt-BR" dirty="0" smtClean="0"/>
+              <a:t>Homogeneidade</a:t>
+            </a:r>
+          </a:p>
+          <a:p>
+            <a:pPr lvl="1"/>
+            <a:r>
+              <a:rPr lang="pt-BR" dirty="0" smtClean="0"/>
+              <a:t>Segundo Momento Angular</a:t>
+            </a:r>
             <a:endParaRPr lang="pt-BR" dirty="0"/>
           </a:p>
         </p:txBody>
@@ -3495,7 +3527,15 @@
           <a:bodyPr/>
           <a:lstStyle/>
           <a:p>
-            <a:endParaRPr lang="pt-BR"/>
+            <a:pPr algn="just"/>
+            <a:r>
+              <a:rPr lang="pt-BR" dirty="0" smtClean="0"/>
+              <a:t>Foram utilizados diversos descritores da MCO (15,50,70) com diversos tamanhos e ângulos.</a:t>
+            </a:r>
+          </a:p>
+          <a:p>
+            <a:pPr algn="just"/>
+            <a:endParaRPr lang="pt-BR" dirty="0" smtClean="0"/>
           </a:p>
         </p:txBody>
       </p:sp>
@@ -3588,6 +3628,386 @@
 </file>
 
 <file path=ppt/slides/slide3.xml><?xml version="1.0" encoding="utf-8"?>
+<p:sld xmlns:a="http://schemas.openxmlformats.org/drawingml/2006/main" xmlns:r="http://schemas.openxmlformats.org/officeDocument/2006/relationships" xmlns:p="http://schemas.openxmlformats.org/presentationml/2006/main">
+  <p:cSld>
+    <p:spTree>
+      <p:nvGrpSpPr>
+        <p:cNvPr id="1" name=""/>
+        <p:cNvGrpSpPr/>
+        <p:nvPr/>
+      </p:nvGrpSpPr>
+      <p:grpSpPr>
+        <a:xfrm>
+          <a:off x="0" y="0"/>
+          <a:ext cx="0" cy="0"/>
+          <a:chOff x="0" y="0"/>
+          <a:chExt cx="0" cy="0"/>
+        </a:xfrm>
+      </p:grpSpPr>
+      <p:sp>
+        <p:nvSpPr>
+          <p:cNvPr id="4" name="Título 3"/>
+          <p:cNvSpPr>
+            <a:spLocks noGrp="1"/>
+          </p:cNvSpPr>
+          <p:nvPr>
+            <p:ph type="title"/>
+          </p:nvPr>
+        </p:nvSpPr>
+        <p:spPr/>
+        <p:txBody>
+          <a:bodyPr>
+            <a:normAutofit/>
+          </a:bodyPr>
+          <a:lstStyle/>
+          <a:p>
+            <a:r>
+              <a:rPr lang="pt-BR" sz="3200" dirty="0" smtClean="0"/>
+              <a:t>Segmentação de Imagens por Texturas</a:t>
+            </a:r>
+            <a:endParaRPr lang="pt-BR" sz="3200" dirty="0"/>
+          </a:p>
+        </p:txBody>
+      </p:sp>
+      <p:sp>
+        <p:nvSpPr>
+          <p:cNvPr id="5" name="Espaço Reservado para Conteúdo 4"/>
+          <p:cNvSpPr>
+            <a:spLocks noGrp="1"/>
+          </p:cNvSpPr>
+          <p:nvPr>
+            <p:ph sz="quarter" idx="13"/>
+          </p:nvPr>
+        </p:nvSpPr>
+        <p:spPr>
+          <a:xfrm>
+            <a:off x="914400" y="2743200"/>
+            <a:ext cx="7185992" cy="3593592"/>
+          </a:xfrm>
+        </p:spPr>
+        <p:txBody>
+          <a:bodyPr/>
+          <a:lstStyle/>
+          <a:p>
+            <a:r>
+              <a:rPr lang="pt-BR" dirty="0" smtClean="0"/>
+              <a:t>Passos</a:t>
+            </a:r>
+          </a:p>
+          <a:p>
+            <a:pPr lvl="1"/>
+            <a:r>
+              <a:rPr lang="pt-BR" dirty="0" smtClean="0"/>
+              <a:t>Criar MCO;</a:t>
+            </a:r>
+          </a:p>
+          <a:p>
+            <a:pPr lvl="1"/>
+            <a:r>
+              <a:rPr lang="pt-BR" dirty="0" smtClean="0"/>
+              <a:t>Criar Descritores Principais;</a:t>
+            </a:r>
+          </a:p>
+          <a:p>
+            <a:pPr lvl="1"/>
+            <a:r>
+              <a:rPr lang="pt-BR" dirty="0" smtClean="0"/>
+              <a:t>Passar a Imagem recriando </a:t>
+            </a:r>
+            <a:r>
+              <a:rPr lang="pt-BR" dirty="0" err="1" smtClean="0"/>
+              <a:t>MCO‘s</a:t>
+            </a:r>
+            <a:r>
+              <a:rPr lang="pt-BR" dirty="0" smtClean="0"/>
+              <a:t> locais com as mesmas propriedades dos principais;</a:t>
+            </a:r>
+          </a:p>
+          <a:p>
+            <a:pPr lvl="1"/>
+            <a:r>
+              <a:rPr lang="pt-BR" dirty="0" smtClean="0"/>
+              <a:t>Criar os Descritores Locais;</a:t>
+            </a:r>
+          </a:p>
+          <a:p>
+            <a:pPr lvl="1"/>
+            <a:r>
+              <a:rPr lang="pt-BR" dirty="0" smtClean="0"/>
+              <a:t>Comparar um dos descritores locais com o mesmo do principal, com tolerância de 20% a mais e a menos, caso esteja pinta com a cor do local descrito (dentina, canal, fundo).</a:t>
+            </a:r>
+          </a:p>
+        </p:txBody>
+      </p:sp>
+      <p:grpSp>
+        <p:nvGrpSpPr>
+          <p:cNvPr id="7" name="Grupo 6"/>
+          <p:cNvGrpSpPr/>
+          <p:nvPr/>
+        </p:nvGrpSpPr>
+        <p:grpSpPr>
+          <a:xfrm>
+            <a:off x="54343" y="0"/>
+            <a:ext cx="1224876" cy="1052736"/>
+            <a:chOff x="54343" y="0"/>
+            <a:chExt cx="1224876" cy="1052736"/>
+          </a:xfrm>
+        </p:grpSpPr>
+        <p:pic>
+          <p:nvPicPr>
+            <p:cNvPr id="8" name="Imagem 7"/>
+            <p:cNvPicPr>
+              <a:picLocks noChangeAspect="1"/>
+            </p:cNvPicPr>
+            <p:nvPr/>
+          </p:nvPicPr>
+          <p:blipFill>
+            <a:blip r:embed="rId2">
+              <a:extLst>
+                <a:ext uri="{28A0092B-C50C-407E-A947-70E740481C1C}">
+                  <a14:useLocalDpi xmlns:a14="http://schemas.microsoft.com/office/drawing/2010/main" val="0"/>
+                </a:ext>
+              </a:extLst>
+            </a:blip>
+            <a:stretch>
+              <a:fillRect/>
+            </a:stretch>
+          </p:blipFill>
+          <p:spPr>
+            <a:xfrm>
+              <a:off x="54343" y="0"/>
+              <a:ext cx="725834" cy="1052736"/>
+            </a:xfrm>
+            <a:prstGeom prst="rect">
+              <a:avLst/>
+            </a:prstGeom>
+          </p:spPr>
+        </p:pic>
+        <p:pic>
+          <p:nvPicPr>
+            <p:cNvPr id="9" name="Imagem 8"/>
+            <p:cNvPicPr>
+              <a:picLocks noChangeAspect="1"/>
+            </p:cNvPicPr>
+            <p:nvPr/>
+          </p:nvPicPr>
+          <p:blipFill>
+            <a:blip r:embed="rId3" cstate="print">
+              <a:extLst>
+                <a:ext uri="{28A0092B-C50C-407E-A947-70E740481C1C}">
+                  <a14:useLocalDpi xmlns:a14="http://schemas.microsoft.com/office/drawing/2010/main" val="0"/>
+                </a:ext>
+              </a:extLst>
+            </a:blip>
+            <a:stretch>
+              <a:fillRect/>
+            </a:stretch>
+          </p:blipFill>
+          <p:spPr>
+            <a:xfrm>
+              <a:off x="780177" y="270956"/>
+              <a:ext cx="499042" cy="576064"/>
+            </a:xfrm>
+            <a:prstGeom prst="rect">
+              <a:avLst/>
+            </a:prstGeom>
+          </p:spPr>
+        </p:pic>
+      </p:grpSp>
+    </p:spTree>
+    <p:extLst>
+      <p:ext uri="{BB962C8B-B14F-4D97-AF65-F5344CB8AC3E}">
+        <p14:creationId xmlns:p14="http://schemas.microsoft.com/office/powerpoint/2010/main" val="3011443965"/>
+      </p:ext>
+    </p:extLst>
+  </p:cSld>
+  <p:clrMapOvr>
+    <a:masterClrMapping/>
+  </p:clrMapOvr>
+</p:sld>
+</file>
+
+<file path=ppt/slides/slide4.xml><?xml version="1.0" encoding="utf-8"?>
+<p:sld xmlns:a="http://schemas.openxmlformats.org/drawingml/2006/main" xmlns:r="http://schemas.openxmlformats.org/officeDocument/2006/relationships" xmlns:p="http://schemas.openxmlformats.org/presentationml/2006/main">
+  <p:cSld>
+    <p:spTree>
+      <p:nvGrpSpPr>
+        <p:cNvPr id="1" name=""/>
+        <p:cNvGrpSpPr/>
+        <p:nvPr/>
+      </p:nvGrpSpPr>
+      <p:grpSpPr>
+        <a:xfrm>
+          <a:off x="0" y="0"/>
+          <a:ext cx="0" cy="0"/>
+          <a:chOff x="0" y="0"/>
+          <a:chExt cx="0" cy="0"/>
+        </a:xfrm>
+      </p:grpSpPr>
+      <p:sp>
+        <p:nvSpPr>
+          <p:cNvPr id="4" name="Título 3"/>
+          <p:cNvSpPr>
+            <a:spLocks noGrp="1"/>
+          </p:cNvSpPr>
+          <p:nvPr>
+            <p:ph type="title"/>
+          </p:nvPr>
+        </p:nvSpPr>
+        <p:spPr/>
+        <p:txBody>
+          <a:bodyPr>
+            <a:normAutofit/>
+          </a:bodyPr>
+          <a:lstStyle/>
+          <a:p>
+            <a:r>
+              <a:rPr lang="pt-BR" sz="3200" dirty="0" smtClean="0"/>
+              <a:t>Segmentação de Imagens por Texturas</a:t>
+            </a:r>
+            <a:endParaRPr lang="pt-BR" sz="3200" dirty="0"/>
+          </a:p>
+        </p:txBody>
+      </p:sp>
+      <p:sp>
+        <p:nvSpPr>
+          <p:cNvPr id="5" name="Espaço Reservado para Conteúdo 4"/>
+          <p:cNvSpPr>
+            <a:spLocks noGrp="1"/>
+          </p:cNvSpPr>
+          <p:nvPr>
+            <p:ph sz="quarter" idx="13"/>
+          </p:nvPr>
+        </p:nvSpPr>
+        <p:spPr>
+          <a:xfrm>
+            <a:off x="914400" y="2743200"/>
+            <a:ext cx="7185992" cy="3593592"/>
+          </a:xfrm>
+        </p:spPr>
+        <p:txBody>
+          <a:bodyPr/>
+          <a:lstStyle/>
+          <a:p>
+            <a:pPr algn="just"/>
+            <a:r>
+              <a:rPr lang="pt-BR" dirty="0" smtClean="0"/>
+              <a:t>Resultados...</a:t>
+            </a:r>
+          </a:p>
+          <a:p>
+            <a:pPr lvl="1" algn="just"/>
+            <a:r>
+              <a:rPr lang="pt-BR" dirty="0" smtClean="0"/>
+              <a:t>O melhor descritor implementado foi o Contraste, porém nenhum do descritores foi capaz de identificar a textura na imagem;</a:t>
+            </a:r>
+          </a:p>
+          <a:p>
+            <a:pPr lvl="1" algn="just"/>
+            <a:r>
+              <a:rPr lang="pt-BR" dirty="0" smtClean="0"/>
+              <a:t>O processamento da área é muito oneroso para o computador, causando diversas vezes lentidão no processo e também erro no programa devido aos diversos laços utilizados para varrer a imagem e também para a criação das matrizes </a:t>
+            </a:r>
+            <a:r>
+              <a:rPr lang="pt-BR" smtClean="0"/>
+              <a:t>e seus descritores</a:t>
+            </a:r>
+            <a:r>
+              <a:rPr lang="pt-BR" dirty="0" smtClean="0"/>
+              <a:t>.</a:t>
+            </a:r>
+          </a:p>
+        </p:txBody>
+      </p:sp>
+      <p:grpSp>
+        <p:nvGrpSpPr>
+          <p:cNvPr id="7" name="Grupo 6"/>
+          <p:cNvGrpSpPr/>
+          <p:nvPr/>
+        </p:nvGrpSpPr>
+        <p:grpSpPr>
+          <a:xfrm>
+            <a:off x="54343" y="0"/>
+            <a:ext cx="1224876" cy="1052736"/>
+            <a:chOff x="54343" y="0"/>
+            <a:chExt cx="1224876" cy="1052736"/>
+          </a:xfrm>
+        </p:grpSpPr>
+        <p:pic>
+          <p:nvPicPr>
+            <p:cNvPr id="8" name="Imagem 7"/>
+            <p:cNvPicPr>
+              <a:picLocks noChangeAspect="1"/>
+            </p:cNvPicPr>
+            <p:nvPr/>
+          </p:nvPicPr>
+          <p:blipFill>
+            <a:blip r:embed="rId2">
+              <a:extLst>
+                <a:ext uri="{28A0092B-C50C-407E-A947-70E740481C1C}">
+                  <a14:useLocalDpi xmlns:a14="http://schemas.microsoft.com/office/drawing/2010/main" val="0"/>
+                </a:ext>
+              </a:extLst>
+            </a:blip>
+            <a:stretch>
+              <a:fillRect/>
+            </a:stretch>
+          </p:blipFill>
+          <p:spPr>
+            <a:xfrm>
+              <a:off x="54343" y="0"/>
+              <a:ext cx="725834" cy="1052736"/>
+            </a:xfrm>
+            <a:prstGeom prst="rect">
+              <a:avLst/>
+            </a:prstGeom>
+          </p:spPr>
+        </p:pic>
+        <p:pic>
+          <p:nvPicPr>
+            <p:cNvPr id="9" name="Imagem 8"/>
+            <p:cNvPicPr>
+              <a:picLocks noChangeAspect="1"/>
+            </p:cNvPicPr>
+            <p:nvPr/>
+          </p:nvPicPr>
+          <p:blipFill>
+            <a:blip r:embed="rId3" cstate="print">
+              <a:extLst>
+                <a:ext uri="{28A0092B-C50C-407E-A947-70E740481C1C}">
+                  <a14:useLocalDpi xmlns:a14="http://schemas.microsoft.com/office/drawing/2010/main" val="0"/>
+                </a:ext>
+              </a:extLst>
+            </a:blip>
+            <a:stretch>
+              <a:fillRect/>
+            </a:stretch>
+          </p:blipFill>
+          <p:spPr>
+            <a:xfrm>
+              <a:off x="780177" y="270956"/>
+              <a:ext cx="499042" cy="576064"/>
+            </a:xfrm>
+            <a:prstGeom prst="rect">
+              <a:avLst/>
+            </a:prstGeom>
+          </p:spPr>
+        </p:pic>
+      </p:grpSp>
+    </p:spTree>
+    <p:extLst>
+      <p:ext uri="{BB962C8B-B14F-4D97-AF65-F5344CB8AC3E}">
+        <p14:creationId xmlns:p14="http://schemas.microsoft.com/office/powerpoint/2010/main" val="1310792588"/>
+      </p:ext>
+    </p:extLst>
+  </p:cSld>
+  <p:clrMapOvr>
+    <a:masterClrMapping/>
+  </p:clrMapOvr>
+</p:sld>
+</file>
+
+<file path=ppt/slides/slide5.xml><?xml version="1.0" encoding="utf-8"?>
 <p:sld xmlns:a="http://schemas.openxmlformats.org/drawingml/2006/main" xmlns:r="http://schemas.openxmlformats.org/officeDocument/2006/relationships" xmlns:p="http://schemas.openxmlformats.org/presentationml/2006/main">
   <p:cSld>
     <p:spTree>
@@ -3767,15 +4187,7 @@
           <a:effectLst>
             <a:reflection blurRad="12700" stA="38000" endPos="28000" dist="5000" dir="5400000" sy="-100000" algn="bl" rotWithShape="0"/>
           </a:effectLst>
-          <a:extLst>
-            <a:ext uri="{909E8E84-426E-40DD-AFC4-6F175D3DCCD1}">
-              <a14:hiddenFill xmlns:a14="http://schemas.microsoft.com/office/drawing/2010/main">
-                <a:solidFill>
-                  <a:srgbClr val="FFFFFF"/>
-                </a:solidFill>
-              </a14:hiddenFill>
-            </a:ext>
-          </a:extLst>
+          <a:extLst/>
         </p:spPr>
       </p:pic>
       <p:pic>
@@ -3820,15 +4232,7 @@
           <a:effectLst>
             <a:reflection blurRad="12700" stA="38000" endPos="28000" dist="5000" dir="5400000" sy="-100000" algn="bl" rotWithShape="0"/>
           </a:effectLst>
-          <a:extLst>
-            <a:ext uri="{909E8E84-426E-40DD-AFC4-6F175D3DCCD1}">
-              <a14:hiddenFill xmlns:a14="http://schemas.microsoft.com/office/drawing/2010/main">
-                <a:solidFill>
-                  <a:srgbClr val="FFFFFF"/>
-                </a:solidFill>
-              </a14:hiddenFill>
-            </a:ext>
-          </a:extLst>
+          <a:extLst/>
         </p:spPr>
       </p:pic>
       <p:sp>
